--- a/documents/Schéma_de_la_structure_des_classes.pptx
+++ b/documents/Schéma_de_la_structure_des_classes.pptx
@@ -104,6 +104,11 @@
       </a:defRPr>
     </a:lvl9pPr>
   </p:defaultTextStyle>
+  <p:extLst>
+    <p:ext uri="{EFAFB233-063F-42B5-8137-9DF3F51BA10A}">
+      <p15:sldGuideLst xmlns:p15="http://schemas.microsoft.com/office/powerpoint/2012/main"/>
+    </p:ext>
+  </p:extLst>
 </p:presentation>
 </file>
 
@@ -3698,14 +3703,14 @@
           <p:nvPr>
             <p:extLst>
               <p:ext uri="{D42A27DB-BD31-4B8C-83A1-F6EECF244321}">
-                <p14:modId xmlns:p14="http://schemas.microsoft.com/office/powerpoint/2010/main" val="3984963890"/>
+                <p14:modId xmlns:p14="http://schemas.microsoft.com/office/powerpoint/2010/main" val="1555573992"/>
               </p:ext>
             </p:extLst>
           </p:nvPr>
         </p:nvGraphicFramePr>
         <p:xfrm>
           <a:off x="3860797" y="5001512"/>
-          <a:ext cx="2725353" cy="1381760"/>
+          <a:ext cx="2725353" cy="1112520"/>
         </p:xfrm>
         <a:graphic>
           <a:graphicData uri="http://schemas.openxmlformats.org/drawingml/2006/table">
@@ -3730,7 +3735,7 @@
                     <a:p>
                       <a:r>
                         <a:rPr lang="en-FR" dirty="0"/>
-                        <a:t>Classe chromosomes</a:t>
+                        <a:t>Classe gene</a:t>
                       </a:r>
                     </a:p>
                   </a:txBody>
@@ -3773,20 +3778,7 @@
                     <a:bodyPr/>
                     <a:lstStyle/>
                     <a:p>
-                      <a:r>
-                        <a:rPr lang="en-GB" dirty="0" err="1"/>
-                        <a:t>É</a:t>
-                      </a:r>
-                      <a:r>
-                        <a:rPr lang="en-FR" dirty="0"/>
-                        <a:t>valuation</a:t>
-                      </a:r>
-                    </a:p>
-                    <a:p>
-                      <a:r>
-                        <a:rPr lang="en-FR" dirty="0"/>
-                        <a:t>Mutation</a:t>
-                      </a:r>
+                      <a:endParaRPr lang="en-FR" dirty="0"/>
                     </a:p>
                   </a:txBody>
                   <a:tcPr/>
